--- a/short/intro-github-dev/slides.pptx
+++ b/short/intro-github-dev/slides.pptx
@@ -230,7 +230,7 @@
           </a:lstStyle>
           <a:p>
             <a:fld id="{4709199A-F3B5-4C4F-9552-F2F19F67FEBC}" type="datetimeFigureOut">
-              <a:t>2/1/22</a:t>
+              <a:t>2/17/22</a:t>
             </a:fld>
             <a:endParaRPr/>
           </a:p>
@@ -2258,7 +2258,12 @@
             <p:ph type="sldImg"/>
           </p:nvPr>
         </p:nvSpPr>
-        <p:spPr/>
+        <p:spPr>
+          <a:xfrm>
+            <a:off x="685800" y="1143000"/>
+            <a:ext cx="5486400" cy="3086100"/>
+          </a:xfrm>
+        </p:spPr>
       </p:sp>
       <p:sp>
         <p:nvSpPr>
@@ -3457,7 +3462,7 @@
           <a:p>
             <a:fld id="{B6A44C1F-B052-494F-9239-BAE423CFA476}" type="datetimeFigureOut">
               <a:rPr lang="en-US" smtClean="0"/>
-              <a:t>2/1/22</a:t>
+              <a:t>2/17/22</a:t>
             </a:fld>
             <a:endParaRPr lang="en-US"/>
           </a:p>
@@ -3620,7 +3625,7 @@
           <a:p>
             <a:fld id="{76407003-769C-4EB1-9214-0A152FB528D3}" type="datetimeFigureOut">
               <a:rPr lang="en-US" smtClean="0"/>
-              <a:t>2/1/22</a:t>
+              <a:t>2/17/22</a:t>
             </a:fld>
             <a:endParaRPr lang="en-US"/>
           </a:p>
@@ -4336,7 +4341,7 @@
         <p:fade/>
       </p:transition>
     </mc:Choice>
-    <mc:Fallback xmlns="" xmlns:m="http://schemas.openxmlformats.org/officeDocument/2006/math" xmlns:w="http://schemas.openxmlformats.org/wordprocessingml/2006/main" xmlns:wp="http://schemas.openxmlformats.org/drawingml/2006/wordprocessingDrawing" xmlns:a14="http://schemas.microsoft.com/office/drawing/2010/main" xmlns:p15="http://schemas.microsoft.com/office/powerpoint/2012/main" xmlns:p159="http://schemas.microsoft.com/office/powerpoint/2015/09/main">
+    <mc:Fallback xmlns:p159="http://schemas.microsoft.com/office/powerpoint/2015/09/main" xmlns:p15="http://schemas.microsoft.com/office/powerpoint/2012/main" xmlns:a14="http://schemas.microsoft.com/office/drawing/2010/main" xmlns:wp="http://schemas.openxmlformats.org/drawingml/2006/wordprocessingDrawing" xmlns:w="http://schemas.openxmlformats.org/wordprocessingml/2006/main" xmlns:m="http://schemas.openxmlformats.org/officeDocument/2006/math" xmlns="">
       <p:transition spd="med">
         <p:fade/>
       </p:transition>
@@ -4578,7 +4583,7 @@
         <p:fade/>
       </p:transition>
     </mc:Choice>
-    <mc:Fallback xmlns="" xmlns:m="http://schemas.openxmlformats.org/officeDocument/2006/math" xmlns:w="http://schemas.openxmlformats.org/wordprocessingml/2006/main" xmlns:wp="http://schemas.openxmlformats.org/drawingml/2006/wordprocessingDrawing" xmlns:a14="http://schemas.microsoft.com/office/drawing/2010/main" xmlns:p15="http://schemas.microsoft.com/office/powerpoint/2012/main" xmlns:p159="http://schemas.microsoft.com/office/powerpoint/2015/09/main">
+    <mc:Fallback xmlns:p159="http://schemas.microsoft.com/office/powerpoint/2015/09/main" xmlns:p15="http://schemas.microsoft.com/office/powerpoint/2012/main" xmlns:a14="http://schemas.microsoft.com/office/drawing/2010/main" xmlns:wp="http://schemas.openxmlformats.org/drawingml/2006/wordprocessingDrawing" xmlns:w="http://schemas.openxmlformats.org/wordprocessingml/2006/main" xmlns:m="http://schemas.openxmlformats.org/officeDocument/2006/math" xmlns="">
       <p:transition spd="med">
         <p:fade/>
       </p:transition>
@@ -6514,7 +6519,7 @@
           <a:p>
             <a:fld id="{611DDC36-9DF1-4635-99D4-5660C91865E3}" type="datetimeFigureOut">
               <a:rPr lang="en-US" smtClean="0"/>
-              <a:t>2/1/22</a:t>
+              <a:t>2/17/22</a:t>
             </a:fld>
             <a:endParaRPr lang="en-US"/>
           </a:p>
@@ -9596,7 +9601,7 @@
         <p:fade/>
       </p:transition>
     </mc:Choice>
-    <mc:Fallback xmlns="" xmlns:m="http://schemas.openxmlformats.org/officeDocument/2006/math" xmlns:w="http://schemas.openxmlformats.org/wordprocessingml/2006/main" xmlns:wp="http://schemas.openxmlformats.org/drawingml/2006/wordprocessingDrawing" xmlns:a14="http://schemas.microsoft.com/office/drawing/2010/main" xmlns:p15="http://schemas.microsoft.com/office/powerpoint/2012/main" xmlns:p159="http://schemas.microsoft.com/office/powerpoint/2015/09/main">
+    <mc:Fallback xmlns:p159="http://schemas.microsoft.com/office/powerpoint/2015/09/main" xmlns:p15="http://schemas.microsoft.com/office/powerpoint/2012/main" xmlns:a14="http://schemas.microsoft.com/office/drawing/2010/main" xmlns:wp="http://schemas.openxmlformats.org/drawingml/2006/wordprocessingDrawing" xmlns:w="http://schemas.openxmlformats.org/wordprocessingml/2006/main" xmlns:m="http://schemas.openxmlformats.org/officeDocument/2006/math" xmlns="">
       <p:transition spd="med">
         <p:fade/>
       </p:transition>
@@ -13619,7 +13624,7 @@
         <p:fade/>
       </p:transition>
     </mc:Choice>
-    <mc:Fallback xmlns="" xmlns:m="http://schemas.openxmlformats.org/officeDocument/2006/math" xmlns:w="http://schemas.openxmlformats.org/wordprocessingml/2006/main" xmlns:wp="http://schemas.openxmlformats.org/drawingml/2006/wordprocessingDrawing" xmlns:a14="http://schemas.microsoft.com/office/drawing/2010/main" xmlns:p15="http://schemas.microsoft.com/office/powerpoint/2012/main" xmlns:p159="http://schemas.microsoft.com/office/powerpoint/2015/09/main">
+    <mc:Fallback xmlns:p159="http://schemas.microsoft.com/office/powerpoint/2015/09/main" xmlns:p15="http://schemas.microsoft.com/office/powerpoint/2012/main" xmlns:a14="http://schemas.microsoft.com/office/drawing/2010/main" xmlns:wp="http://schemas.openxmlformats.org/drawingml/2006/wordprocessingDrawing" xmlns:w="http://schemas.openxmlformats.org/wordprocessingml/2006/main" xmlns:m="http://schemas.openxmlformats.org/officeDocument/2006/math" xmlns="">
       <p:transition spd="med">
         <p:fade/>
       </p:transition>
@@ -16457,7 +16462,7 @@
         <p:fade/>
       </p:transition>
     </mc:Choice>
-    <mc:Fallback xmlns="" xmlns:m="http://schemas.openxmlformats.org/officeDocument/2006/math" xmlns:w="http://schemas.openxmlformats.org/wordprocessingml/2006/main" xmlns:wp="http://schemas.openxmlformats.org/drawingml/2006/wordprocessingDrawing" xmlns:a14="http://schemas.microsoft.com/office/drawing/2010/main" xmlns:p15="http://schemas.microsoft.com/office/powerpoint/2012/main" xmlns:p159="http://schemas.microsoft.com/office/powerpoint/2015/09/main">
+    <mc:Fallback xmlns:p159="http://schemas.microsoft.com/office/powerpoint/2015/09/main" xmlns:p15="http://schemas.microsoft.com/office/powerpoint/2012/main" xmlns:a14="http://schemas.microsoft.com/office/drawing/2010/main" xmlns:wp="http://schemas.openxmlformats.org/drawingml/2006/wordprocessingDrawing" xmlns:w="http://schemas.openxmlformats.org/wordprocessingml/2006/main" xmlns:m="http://schemas.openxmlformats.org/officeDocument/2006/math" xmlns="">
       <p:transition spd="med">
         <p:fade/>
       </p:transition>
@@ -16648,7 +16653,7 @@
         <p:fade/>
       </p:transition>
     </mc:Choice>
-    <mc:Fallback xmlns="" xmlns:m="http://schemas.openxmlformats.org/officeDocument/2006/math" xmlns:w="http://schemas.openxmlformats.org/wordprocessingml/2006/main" xmlns:wp="http://schemas.openxmlformats.org/drawingml/2006/wordprocessingDrawing" xmlns:a14="http://schemas.microsoft.com/office/drawing/2010/main" xmlns:p15="http://schemas.microsoft.com/office/powerpoint/2012/main" xmlns:p159="http://schemas.microsoft.com/office/powerpoint/2015/09/main">
+    <mc:Fallback xmlns:p159="http://schemas.microsoft.com/office/powerpoint/2015/09/main" xmlns:p15="http://schemas.microsoft.com/office/powerpoint/2012/main" xmlns:a14="http://schemas.microsoft.com/office/drawing/2010/main" xmlns:wp="http://schemas.openxmlformats.org/drawingml/2006/wordprocessingDrawing" xmlns:w="http://schemas.openxmlformats.org/wordprocessingml/2006/main" xmlns:m="http://schemas.openxmlformats.org/officeDocument/2006/math" xmlns="">
       <p:transition spd="med">
         <p:fade/>
       </p:transition>
@@ -16763,7 +16768,7 @@
         <p:fade/>
       </p:transition>
     </mc:Choice>
-    <mc:Fallback xmlns="" xmlns:m="http://schemas.openxmlformats.org/officeDocument/2006/math" xmlns:w="http://schemas.openxmlformats.org/wordprocessingml/2006/main" xmlns:wp="http://schemas.openxmlformats.org/drawingml/2006/wordprocessingDrawing" xmlns:a14="http://schemas.microsoft.com/office/drawing/2010/main" xmlns:p15="http://schemas.microsoft.com/office/powerpoint/2012/main" xmlns:p159="http://schemas.microsoft.com/office/powerpoint/2015/09/main">
+    <mc:Fallback xmlns:p159="http://schemas.microsoft.com/office/powerpoint/2015/09/main" xmlns:p15="http://schemas.microsoft.com/office/powerpoint/2012/main" xmlns:a14="http://schemas.microsoft.com/office/drawing/2010/main" xmlns:wp="http://schemas.openxmlformats.org/drawingml/2006/wordprocessingDrawing" xmlns:w="http://schemas.openxmlformats.org/wordprocessingml/2006/main" xmlns:m="http://schemas.openxmlformats.org/officeDocument/2006/math" xmlns="">
       <p:transition spd="med">
         <p:fade/>
       </p:transition>
@@ -18408,7 +18413,7 @@
         <p:fade/>
       </p:transition>
     </mc:Choice>
-    <mc:Fallback xmlns="" xmlns:m="http://schemas.openxmlformats.org/officeDocument/2006/math" xmlns:w="http://schemas.openxmlformats.org/wordprocessingml/2006/main" xmlns:wp="http://schemas.openxmlformats.org/drawingml/2006/wordprocessingDrawing" xmlns:a14="http://schemas.microsoft.com/office/drawing/2010/main" xmlns:p15="http://schemas.microsoft.com/office/powerpoint/2012/main" xmlns:p159="http://schemas.microsoft.com/office/powerpoint/2015/09/main">
+    <mc:Fallback xmlns:p159="http://schemas.microsoft.com/office/powerpoint/2015/09/main" xmlns:p15="http://schemas.microsoft.com/office/powerpoint/2012/main" xmlns:a14="http://schemas.microsoft.com/office/drawing/2010/main" xmlns:wp="http://schemas.openxmlformats.org/drawingml/2006/wordprocessingDrawing" xmlns:w="http://schemas.openxmlformats.org/wordprocessingml/2006/main" xmlns:m="http://schemas.openxmlformats.org/officeDocument/2006/math" xmlns="">
       <p:transition spd="med">
         <p:fade/>
       </p:transition>
@@ -18626,7 +18631,7 @@
         <p:fade/>
       </p:transition>
     </mc:Choice>
-    <mc:Fallback xmlns="" xmlns:m="http://schemas.openxmlformats.org/officeDocument/2006/math" xmlns:w="http://schemas.openxmlformats.org/wordprocessingml/2006/main" xmlns:wp="http://schemas.openxmlformats.org/drawingml/2006/wordprocessingDrawing" xmlns:a14="http://schemas.microsoft.com/office/drawing/2010/main" xmlns:p15="http://schemas.microsoft.com/office/powerpoint/2012/main" xmlns:p159="http://schemas.microsoft.com/office/powerpoint/2015/09/main">
+    <mc:Fallback xmlns:p159="http://schemas.microsoft.com/office/powerpoint/2015/09/main" xmlns:p15="http://schemas.microsoft.com/office/powerpoint/2012/main" xmlns:a14="http://schemas.microsoft.com/office/drawing/2010/main" xmlns:wp="http://schemas.openxmlformats.org/drawingml/2006/wordprocessingDrawing" xmlns:w="http://schemas.openxmlformats.org/wordprocessingml/2006/main" xmlns:m="http://schemas.openxmlformats.org/officeDocument/2006/math" xmlns="">
       <p:transition spd="med">
         <p:fade/>
       </p:transition>
@@ -19457,7 +19462,7 @@
           <a:p>
             <a:fld id="{F52E22BF-D27E-4DF2-A532-B0FFD4CEA0F9}" type="datetimeFigureOut">
               <a:rPr lang="en-US" smtClean="0"/>
-              <a:t>2/1/22</a:t>
+              <a:t>2/17/22</a:t>
             </a:fld>
             <a:endParaRPr lang="en-US"/>
           </a:p>
@@ -22710,7 +22715,7 @@
           <a:p>
             <a:fld id="{0E6025CC-F293-4957-8040-9A397555AFA4}" type="datetimeFigureOut">
               <a:rPr lang="en-US" smtClean="0"/>
-              <a:t>2/1/22</a:t>
+              <a:t>2/17/22</a:t>
             </a:fld>
             <a:endParaRPr lang="en-US"/>
           </a:p>
@@ -25316,7 +25321,7 @@
           <a:p>
             <a:fld id="{D289A2A7-F982-4CD2-A0A6-2374192CCD93}" type="datetimeFigureOut">
               <a:rPr lang="en-US" smtClean="0"/>
-              <a:t>2/1/22</a:t>
+              <a:t>2/17/22</a:t>
             </a:fld>
             <a:endParaRPr lang="en-US"/>
           </a:p>
@@ -29906,7 +29911,7 @@
           <a:p>
             <a:fld id="{7E305E08-1F98-4A6C-87BB-7B816A27DDE8}" type="datetimeFigureOut">
               <a:rPr lang="en-US" smtClean="0"/>
-              <a:t>2/1/22</a:t>
+              <a:t>2/17/22</a:t>
             </a:fld>
             <a:endParaRPr lang="en-US"/>
           </a:p>
@@ -31513,7 +31518,7 @@
         <p:fade/>
       </p:transition>
     </mc:Choice>
-    <mc:Fallback xmlns="" xmlns:m="http://schemas.openxmlformats.org/officeDocument/2006/math" xmlns:w="http://schemas.openxmlformats.org/wordprocessingml/2006/main" xmlns:wp="http://schemas.openxmlformats.org/drawingml/2006/wordprocessingDrawing" xmlns:a14="http://schemas.microsoft.com/office/drawing/2010/main" xmlns:p15="http://schemas.microsoft.com/office/powerpoint/2012/main" xmlns:p159="http://schemas.microsoft.com/office/powerpoint/2015/09/main">
+    <mc:Fallback xmlns:p159="http://schemas.microsoft.com/office/powerpoint/2015/09/main" xmlns:p15="http://schemas.microsoft.com/office/powerpoint/2012/main" xmlns:a14="http://schemas.microsoft.com/office/drawing/2010/main" xmlns:wp="http://schemas.openxmlformats.org/drawingml/2006/wordprocessingDrawing" xmlns:w="http://schemas.openxmlformats.org/wordprocessingml/2006/main" xmlns:m="http://schemas.openxmlformats.org/officeDocument/2006/math" xmlns="">
       <p:transition spd="med">
         <p:fade/>
       </p:transition>
@@ -31707,7 +31712,7 @@
         <p:fade/>
       </p:transition>
     </mc:Choice>
-    <mc:Fallback xmlns="" xmlns:m="http://schemas.openxmlformats.org/officeDocument/2006/math" xmlns:w="http://schemas.openxmlformats.org/wordprocessingml/2006/main" xmlns:wp="http://schemas.openxmlformats.org/drawingml/2006/wordprocessingDrawing" xmlns:a14="http://schemas.microsoft.com/office/drawing/2010/main" xmlns:p15="http://schemas.microsoft.com/office/powerpoint/2012/main" xmlns:p159="http://schemas.microsoft.com/office/powerpoint/2015/09/main">
+    <mc:Fallback xmlns:p159="http://schemas.microsoft.com/office/powerpoint/2015/09/main" xmlns:p15="http://schemas.microsoft.com/office/powerpoint/2012/main" xmlns:a14="http://schemas.microsoft.com/office/drawing/2010/main" xmlns:wp="http://schemas.openxmlformats.org/drawingml/2006/wordprocessingDrawing" xmlns:w="http://schemas.openxmlformats.org/wordprocessingml/2006/main" xmlns:m="http://schemas.openxmlformats.org/officeDocument/2006/math" xmlns="">
       <p:transition spd="med">
         <p:fade/>
       </p:transition>
@@ -31827,7 +31832,7 @@
         <p:fade/>
       </p:transition>
     </mc:Choice>
-    <mc:Fallback xmlns="" xmlns:m="http://schemas.openxmlformats.org/officeDocument/2006/math" xmlns:w="http://schemas.openxmlformats.org/wordprocessingml/2006/main" xmlns:wp="http://schemas.openxmlformats.org/drawingml/2006/wordprocessingDrawing" xmlns:a14="http://schemas.microsoft.com/office/drawing/2010/main" xmlns:p15="http://schemas.microsoft.com/office/powerpoint/2012/main" xmlns:p159="http://schemas.microsoft.com/office/powerpoint/2015/09/main">
+    <mc:Fallback xmlns:p159="http://schemas.microsoft.com/office/powerpoint/2015/09/main" xmlns:p15="http://schemas.microsoft.com/office/powerpoint/2012/main" xmlns:a14="http://schemas.microsoft.com/office/drawing/2010/main" xmlns:wp="http://schemas.openxmlformats.org/drawingml/2006/wordprocessingDrawing" xmlns:w="http://schemas.openxmlformats.org/wordprocessingml/2006/main" xmlns:m="http://schemas.openxmlformats.org/officeDocument/2006/math" xmlns="">
       <p:transition spd="med">
         <p:fade/>
       </p:transition>
@@ -32595,7 +32600,7 @@
           <a:p>
             <a:fld id="{B454E054-60DC-4639-9B32-F30E405CE1FC}" type="datetimeFigureOut">
               <a:rPr lang="en-US" smtClean="0"/>
-              <a:t>2/1/22</a:t>
+              <a:t>2/17/22</a:t>
             </a:fld>
             <a:endParaRPr lang="en-US"/>
           </a:p>
@@ -32959,7 +32964,7 @@
         <p:fade/>
       </p:transition>
     </mc:Choice>
-    <mc:Fallback xmlns="" xmlns:m="http://schemas.openxmlformats.org/officeDocument/2006/math" xmlns:w="http://schemas.openxmlformats.org/wordprocessingml/2006/main" xmlns:wp="http://schemas.openxmlformats.org/drawingml/2006/wordprocessingDrawing" xmlns:a14="http://schemas.microsoft.com/office/drawing/2010/main" xmlns:p15="http://schemas.microsoft.com/office/powerpoint/2012/main" xmlns:p159="http://schemas.microsoft.com/office/powerpoint/2015/09/main">
+    <mc:Fallback xmlns:p159="http://schemas.microsoft.com/office/powerpoint/2015/09/main" xmlns:p15="http://schemas.microsoft.com/office/powerpoint/2012/main" xmlns:a14="http://schemas.microsoft.com/office/drawing/2010/main" xmlns:wp="http://schemas.openxmlformats.org/drawingml/2006/wordprocessingDrawing" xmlns:w="http://schemas.openxmlformats.org/wordprocessingml/2006/main" xmlns:m="http://schemas.openxmlformats.org/officeDocument/2006/math" xmlns="">
       <p:transition spd="med">
         <p:fade/>
       </p:transition>
@@ -33201,7 +33206,7 @@
         <p:fade/>
       </p:transition>
     </mc:Choice>
-    <mc:Fallback xmlns="" xmlns:m="http://schemas.openxmlformats.org/officeDocument/2006/math" xmlns:w="http://schemas.openxmlformats.org/wordprocessingml/2006/main" xmlns:wp="http://schemas.openxmlformats.org/drawingml/2006/wordprocessingDrawing" xmlns:a14="http://schemas.microsoft.com/office/drawing/2010/main" xmlns:p15="http://schemas.microsoft.com/office/powerpoint/2012/main" xmlns:p159="http://schemas.microsoft.com/office/powerpoint/2015/09/main">
+    <mc:Fallback xmlns:p159="http://schemas.microsoft.com/office/powerpoint/2015/09/main" xmlns:p15="http://schemas.microsoft.com/office/powerpoint/2012/main" xmlns:a14="http://schemas.microsoft.com/office/drawing/2010/main" xmlns:wp="http://schemas.openxmlformats.org/drawingml/2006/wordprocessingDrawing" xmlns:w="http://schemas.openxmlformats.org/wordprocessingml/2006/main" xmlns:m="http://schemas.openxmlformats.org/officeDocument/2006/math" xmlns="">
       <p:transition spd="med">
         <p:fade/>
       </p:transition>
@@ -35884,7 +35889,7 @@
           <a:p>
             <a:fld id="{DD26F699-A663-4376-90E7-D01CB88A1AEC}" type="datetimeFigureOut">
               <a:rPr lang="en-US" smtClean="0"/>
-              <a:t>2/1/22</a:t>
+              <a:t>2/17/22</a:t>
             </a:fld>
             <a:endParaRPr lang="en-US"/>
           </a:p>
@@ -38487,7 +38492,7 @@
           <a:p>
             <a:fld id="{1A800B83-E056-47D7-8A0D-C54924A85E1A}" type="datetimeFigureOut">
               <a:rPr lang="en-US" smtClean="0"/>
-              <a:t>2/1/22</a:t>
+              <a:t>2/17/22</a:t>
             </a:fld>
             <a:endParaRPr lang="en-US"/>
           </a:p>
@@ -42570,7 +42575,7 @@
           <a:p>
             <a:fld id="{425A2EB2-2BA8-4595-AF47-787B0DC3DB10}" type="datetimeFigureOut">
               <a:rPr lang="en-US" smtClean="0"/>
-              <a:t>2/1/22</a:t>
+              <a:t>2/17/22</a:t>
             </a:fld>
             <a:endParaRPr lang="en-US"/>
           </a:p>
@@ -44910,7 +44915,7 @@
         <p:fade/>
       </p:transition>
     </mc:Choice>
-    <mc:Fallback xmlns="" xmlns:m="http://schemas.openxmlformats.org/officeDocument/2006/math" xmlns:w="http://schemas.openxmlformats.org/wordprocessingml/2006/main" xmlns:wp="http://schemas.openxmlformats.org/drawingml/2006/wordprocessingDrawing" xmlns:a14="http://schemas.microsoft.com/office/drawing/2010/main" xmlns:p15="http://schemas.microsoft.com/office/powerpoint/2012/main" xmlns:p159="http://schemas.microsoft.com/office/powerpoint/2015/09/main">
+    <mc:Fallback xmlns:p159="http://schemas.microsoft.com/office/powerpoint/2015/09/main" xmlns:p15="http://schemas.microsoft.com/office/powerpoint/2012/main" xmlns:a14="http://schemas.microsoft.com/office/drawing/2010/main" xmlns:wp="http://schemas.openxmlformats.org/drawingml/2006/wordprocessingDrawing" xmlns:w="http://schemas.openxmlformats.org/wordprocessingml/2006/main" xmlns:m="http://schemas.openxmlformats.org/officeDocument/2006/math" xmlns="">
       <p:transition spd="med">
         <p:fade/>
       </p:transition>
@@ -45101,7 +45106,7 @@
         <p:fade/>
       </p:transition>
     </mc:Choice>
-    <mc:Fallback xmlns="" xmlns:m="http://schemas.openxmlformats.org/officeDocument/2006/math" xmlns:w="http://schemas.openxmlformats.org/wordprocessingml/2006/main" xmlns:wp="http://schemas.openxmlformats.org/drawingml/2006/wordprocessingDrawing" xmlns:a14="http://schemas.microsoft.com/office/drawing/2010/main" xmlns:p15="http://schemas.microsoft.com/office/powerpoint/2012/main" xmlns:p159="http://schemas.microsoft.com/office/powerpoint/2015/09/main">
+    <mc:Fallback xmlns:p159="http://schemas.microsoft.com/office/powerpoint/2015/09/main" xmlns:p15="http://schemas.microsoft.com/office/powerpoint/2012/main" xmlns:a14="http://schemas.microsoft.com/office/drawing/2010/main" xmlns:wp="http://schemas.openxmlformats.org/drawingml/2006/wordprocessingDrawing" xmlns:w="http://schemas.openxmlformats.org/wordprocessingml/2006/main" xmlns:m="http://schemas.openxmlformats.org/officeDocument/2006/math" xmlns="">
       <p:transition spd="med">
         <p:fade/>
       </p:transition>
@@ -45216,7 +45221,7 @@
         <p:fade/>
       </p:transition>
     </mc:Choice>
-    <mc:Fallback xmlns="" xmlns:m="http://schemas.openxmlformats.org/officeDocument/2006/math" xmlns:w="http://schemas.openxmlformats.org/wordprocessingml/2006/main" xmlns:wp="http://schemas.openxmlformats.org/drawingml/2006/wordprocessingDrawing" xmlns:a14="http://schemas.microsoft.com/office/drawing/2010/main" xmlns:p15="http://schemas.microsoft.com/office/powerpoint/2012/main" xmlns:p159="http://schemas.microsoft.com/office/powerpoint/2015/09/main">
+    <mc:Fallback xmlns:p159="http://schemas.microsoft.com/office/powerpoint/2015/09/main" xmlns:p15="http://schemas.microsoft.com/office/powerpoint/2012/main" xmlns:a14="http://schemas.microsoft.com/office/drawing/2010/main" xmlns:wp="http://schemas.openxmlformats.org/drawingml/2006/wordprocessingDrawing" xmlns:w="http://schemas.openxmlformats.org/wordprocessingml/2006/main" xmlns:m="http://schemas.openxmlformats.org/officeDocument/2006/math" xmlns="">
       <p:transition spd="med">
         <p:fade/>
       </p:transition>
@@ -45728,7 +45733,7 @@
           <a:p>
             <a:fld id="{E8FD0B7A-F5DD-4F40-B4CB-3B2C354B893A}" type="datetimeFigureOut">
               <a:rPr lang="en-US" smtClean="0"/>
-              <a:t>2/1/22</a:t>
+              <a:t>2/17/22</a:t>
             </a:fld>
             <a:endParaRPr lang="en-US"/>
           </a:p>
@@ -57162,6 +57167,7 @@
           </a:lstStyle>
           <a:p>
             <a:r>
+              <a:rPr dirty="0"/>
               <a:t>Here are some links to more information on the topics we discussed in this module.</a:t>
             </a:r>
           </a:p>
@@ -57175,8 +57181,8 @@
         </p:nvSpPr>
         <p:spPr>
           <a:xfrm>
-            <a:off x="609600" y="2517013"/>
-            <a:ext cx="10972800" cy="2670048"/>
+            <a:off x="609600" y="2962110"/>
+            <a:ext cx="5288861" cy="2973122"/>
           </a:xfrm>
           <a:prstGeom prst="rect">
             <a:avLst/>
@@ -57203,7 +57209,7 @@
           </a:fontRef>
         </p:style>
         <p:txBody>
-          <a:bodyPr rtlCol="0" anchor="ctr">
+          <a:bodyPr wrap="square" rtlCol="0" anchor="ctr">
             <a:spAutoFit/>
           </a:bodyPr>
           <a:lstStyle/>
@@ -57218,7 +57224,7 @@
               <a:buChar char="•"/>
             </a:pPr>
             <a:r>
-              <a:rPr sz="1800">
+              <a:rPr sz="1800" dirty="0">
                 <a:solidFill>
                   <a:srgbClr val="000000"/>
                 </a:solidFill>
@@ -57238,7 +57244,7 @@
               <a:buChar char="•"/>
             </a:pPr>
             <a:r>
-              <a:rPr sz="1800">
+              <a:rPr sz="1800" dirty="0">
                 <a:solidFill>
                   <a:srgbClr val="000000"/>
                 </a:solidFill>
@@ -57258,7 +57264,7 @@
               <a:buChar char="•"/>
             </a:pPr>
             <a:r>
-              <a:rPr sz="1800">
+              <a:rPr sz="1800" dirty="0">
                 <a:solidFill>
                   <a:srgbClr val="000000"/>
                 </a:solidFill>
@@ -57278,7 +57284,7 @@
               <a:buChar char="•"/>
             </a:pPr>
             <a:r>
-              <a:rPr sz="1800">
+              <a:rPr sz="1800" dirty="0">
                 <a:solidFill>
                   <a:srgbClr val="000000"/>
                 </a:solidFill>
@@ -57298,7 +57304,7 @@
               <a:buChar char="•"/>
             </a:pPr>
             <a:r>
-              <a:rPr sz="1800">
+              <a:rPr sz="1800" dirty="0">
                 <a:solidFill>
                   <a:srgbClr val="000000"/>
                 </a:solidFill>
@@ -57318,7 +57324,7 @@
               <a:buChar char="•"/>
             </a:pPr>
             <a:r>
-              <a:rPr sz="1800">
+              <a:rPr sz="1800" dirty="0">
                 <a:solidFill>
                   <a:srgbClr val="000000"/>
                 </a:solidFill>
@@ -57338,7 +57344,7 @@
               <a:buChar char="•"/>
             </a:pPr>
             <a:r>
-              <a:rPr sz="1800">
+              <a:rPr sz="1800" dirty="0">
                 <a:solidFill>
                   <a:srgbClr val="000000"/>
                 </a:solidFill>
@@ -57346,6 +57352,609 @@
               </a:rPr>
               <a:t>Working with GitHub Pages</a:t>
             </a:r>
+          </a:p>
+        </p:txBody>
+      </p:sp>
+      <p:sp>
+        <p:nvSpPr>
+          <p:cNvPr id="6" name="Content Placeholder 2">
+            <a:extLst>
+              <a:ext uri="{FF2B5EF4-FFF2-40B4-BE49-F238E27FC236}">
+                <a16:creationId xmlns:a16="http://schemas.microsoft.com/office/drawing/2014/main" id="{5433DE5E-2C08-B940-8F56-602313E7210C}"/>
+              </a:ext>
+            </a:extLst>
+          </p:cNvPr>
+          <p:cNvSpPr txBox="1">
+            <a:spLocks/>
+          </p:cNvSpPr>
+          <p:nvPr/>
+        </p:nvSpPr>
+        <p:spPr>
+          <a:xfrm>
+            <a:off x="504054" y="1995985"/>
+            <a:ext cx="4414027" cy="4051300"/>
+          </a:xfrm>
+          <a:prstGeom prst="rect">
+            <a:avLst/>
+          </a:prstGeom>
+        </p:spPr>
+        <p:txBody>
+          <a:bodyPr vert="horz" wrap="square" lIns="0" tIns="0" rIns="0" bIns="0" rtlCol="0">
+            <a:normAutofit/>
+          </a:bodyPr>
+          <a:lstStyle>
+            <a:defPPr>
+              <a:defRPr lang="en-US"/>
+            </a:defPPr>
+            <a:lvl1pPr marL="0" algn="l" defTabSz="914400" rtl="0" eaLnBrk="1" latinLnBrk="0" hangingPunct="1">
+              <a:defRPr sz="1800" kern="1200">
+                <a:solidFill>
+                  <a:schemeClr val="tx1"/>
+                </a:solidFill>
+                <a:latin typeface="+mn-lt"/>
+                <a:ea typeface="+mn-ea"/>
+                <a:cs typeface="+mn-cs"/>
+              </a:defRPr>
+            </a:lvl1pPr>
+            <a:lvl2pPr marL="457200" algn="l" defTabSz="914400" rtl="0" eaLnBrk="1" latinLnBrk="0" hangingPunct="1">
+              <a:defRPr sz="1800" kern="1200">
+                <a:solidFill>
+                  <a:schemeClr val="tx1"/>
+                </a:solidFill>
+                <a:latin typeface="+mn-lt"/>
+                <a:ea typeface="+mn-ea"/>
+                <a:cs typeface="+mn-cs"/>
+              </a:defRPr>
+            </a:lvl2pPr>
+            <a:lvl3pPr marL="914400" algn="l" defTabSz="914400" rtl="0" eaLnBrk="1" latinLnBrk="0" hangingPunct="1">
+              <a:defRPr sz="1800" kern="1200">
+                <a:solidFill>
+                  <a:schemeClr val="tx1"/>
+                </a:solidFill>
+                <a:latin typeface="+mn-lt"/>
+                <a:ea typeface="+mn-ea"/>
+                <a:cs typeface="+mn-cs"/>
+              </a:defRPr>
+            </a:lvl3pPr>
+            <a:lvl4pPr marL="1371600" algn="l" defTabSz="914400" rtl="0" eaLnBrk="1" latinLnBrk="0" hangingPunct="1">
+              <a:defRPr sz="1800" kern="1200">
+                <a:solidFill>
+                  <a:schemeClr val="tx1"/>
+                </a:solidFill>
+                <a:latin typeface="+mn-lt"/>
+                <a:ea typeface="+mn-ea"/>
+                <a:cs typeface="+mn-cs"/>
+              </a:defRPr>
+            </a:lvl4pPr>
+            <a:lvl5pPr marL="1828800" algn="l" defTabSz="914400" rtl="0" eaLnBrk="1" latinLnBrk="0" hangingPunct="1">
+              <a:defRPr sz="1800" kern="1200">
+                <a:solidFill>
+                  <a:schemeClr val="tx1"/>
+                </a:solidFill>
+                <a:latin typeface="+mn-lt"/>
+                <a:ea typeface="+mn-ea"/>
+                <a:cs typeface="+mn-cs"/>
+              </a:defRPr>
+            </a:lvl5pPr>
+            <a:lvl6pPr marL="2286000" algn="l" defTabSz="914400" rtl="0" eaLnBrk="1" latinLnBrk="0" hangingPunct="1">
+              <a:defRPr sz="1800" kern="1200">
+                <a:solidFill>
+                  <a:schemeClr val="tx1"/>
+                </a:solidFill>
+                <a:latin typeface="+mn-lt"/>
+                <a:ea typeface="+mn-ea"/>
+                <a:cs typeface="+mn-cs"/>
+              </a:defRPr>
+            </a:lvl6pPr>
+            <a:lvl7pPr marL="2743200" algn="l" defTabSz="914400" rtl="0" eaLnBrk="1" latinLnBrk="0" hangingPunct="1">
+              <a:defRPr sz="1800" kern="1200">
+                <a:solidFill>
+                  <a:schemeClr val="tx1"/>
+                </a:solidFill>
+                <a:latin typeface="+mn-lt"/>
+                <a:ea typeface="+mn-ea"/>
+                <a:cs typeface="+mn-cs"/>
+              </a:defRPr>
+            </a:lvl7pPr>
+            <a:lvl8pPr marL="3200400" algn="l" defTabSz="914400" rtl="0" eaLnBrk="1" latinLnBrk="0" hangingPunct="1">
+              <a:defRPr sz="1800" kern="1200">
+                <a:solidFill>
+                  <a:schemeClr val="tx1"/>
+                </a:solidFill>
+                <a:latin typeface="+mn-lt"/>
+                <a:ea typeface="+mn-ea"/>
+                <a:cs typeface="+mn-cs"/>
+              </a:defRPr>
+            </a:lvl8pPr>
+            <a:lvl9pPr marL="3657600" algn="l" defTabSz="914400" rtl="0" eaLnBrk="1" latinLnBrk="0" hangingPunct="1">
+              <a:defRPr sz="1800" kern="1200">
+                <a:solidFill>
+                  <a:schemeClr val="tx1"/>
+                </a:solidFill>
+                <a:latin typeface="+mn-lt"/>
+                <a:ea typeface="+mn-ea"/>
+                <a:cs typeface="+mn-cs"/>
+              </a:defRPr>
+            </a:lvl9pPr>
+          </a:lstStyle>
+          <a:p>
+            <a:pPr>
+              <a:lnSpc>
+                <a:spcPct val="90000"/>
+              </a:lnSpc>
+            </a:pPr>
+            <a:endParaRPr lang="en-US" sz="2400" dirty="0"/>
+          </a:p>
+          <a:p>
+            <a:pPr>
+              <a:lnSpc>
+                <a:spcPct val="90000"/>
+              </a:lnSpc>
+            </a:pPr>
+            <a:endParaRPr lang="en-US" sz="2400" dirty="0"/>
+          </a:p>
+          <a:p>
+            <a:pPr>
+              <a:lnSpc>
+                <a:spcPct val="90000"/>
+              </a:lnSpc>
+            </a:pPr>
+            <a:endParaRPr lang="en-US" sz="2400" dirty="0"/>
+          </a:p>
+        </p:txBody>
+      </p:sp>
+      <p:sp>
+        <p:nvSpPr>
+          <p:cNvPr id="7" name="Rectangle 6">
+            <a:extLst>
+              <a:ext uri="{FF2B5EF4-FFF2-40B4-BE49-F238E27FC236}">
+                <a16:creationId xmlns:a16="http://schemas.microsoft.com/office/drawing/2014/main" id="{FB48FDF8-30BE-B040-AE32-6A8989D5F721}"/>
+              </a:ext>
+            </a:extLst>
+          </p:cNvPr>
+          <p:cNvSpPr/>
+          <p:nvPr/>
+        </p:nvSpPr>
+        <p:spPr bwMode="auto">
+          <a:xfrm>
+            <a:off x="6293540" y="2133600"/>
+            <a:ext cx="5715000" cy="4475202"/>
+          </a:xfrm>
+          <a:prstGeom prst="rect">
+            <a:avLst/>
+          </a:prstGeom>
+          <a:noFill/>
+          <a:ln w="9525" cap="flat" cmpd="sng" algn="ctr">
+            <a:solidFill>
+              <a:schemeClr val="accent1"/>
+            </a:solidFill>
+            <a:prstDash val="solid"/>
+            <a:round/>
+            <a:headEnd type="none" w="med" len="med"/>
+            <a:tailEnd type="none" w="med" len="med"/>
+          </a:ln>
+        </p:spPr>
+        <p:style>
+          <a:lnRef idx="0">
+            <a:scrgbClr r="0" g="0" b="0"/>
+          </a:lnRef>
+          <a:fillRef idx="0">
+            <a:scrgbClr r="0" g="0" b="0"/>
+          </a:fillRef>
+          <a:effectRef idx="0">
+            <a:scrgbClr r="0" g="0" b="0"/>
+          </a:effectRef>
+          <a:fontRef idx="minor">
+            <a:schemeClr val="accent1"/>
+          </a:fontRef>
+        </p:style>
+        <p:txBody>
+          <a:bodyPr rot="0" spcFirstLastPara="0" vert="horz" wrap="square" lIns="182880" tIns="146304" rIns="182880" bIns="146304" numCol="1" spcCol="0" rtlCol="0" fromWordArt="0" anchor="t" anchorCtr="0" forceAA="0" compatLnSpc="1">
+            <a:prstTxWarp prst="textNoShape">
+              <a:avLst/>
+            </a:prstTxWarp>
+            <a:noAutofit/>
+          </a:bodyPr>
+          <a:lstStyle>
+            <a:defPPr>
+              <a:defRPr lang="en-US"/>
+            </a:defPPr>
+            <a:lvl1pPr marL="0" algn="l" defTabSz="914400" rtl="0" eaLnBrk="1" latinLnBrk="0" hangingPunct="1">
+              <a:defRPr sz="1800" kern="1200">
+                <a:solidFill>
+                  <a:schemeClr val="accent1"/>
+                </a:solidFill>
+                <a:latin typeface="+mn-lt"/>
+                <a:ea typeface="+mn-ea"/>
+                <a:cs typeface="+mn-cs"/>
+              </a:defRPr>
+            </a:lvl1pPr>
+            <a:lvl2pPr marL="457200" algn="l" defTabSz="914400" rtl="0" eaLnBrk="1" latinLnBrk="0" hangingPunct="1">
+              <a:defRPr sz="1800" kern="1200">
+                <a:solidFill>
+                  <a:schemeClr val="accent1"/>
+                </a:solidFill>
+                <a:latin typeface="+mn-lt"/>
+                <a:ea typeface="+mn-ea"/>
+                <a:cs typeface="+mn-cs"/>
+              </a:defRPr>
+            </a:lvl2pPr>
+            <a:lvl3pPr marL="914400" algn="l" defTabSz="914400" rtl="0" eaLnBrk="1" latinLnBrk="0" hangingPunct="1">
+              <a:defRPr sz="1800" kern="1200">
+                <a:solidFill>
+                  <a:schemeClr val="accent1"/>
+                </a:solidFill>
+                <a:latin typeface="+mn-lt"/>
+                <a:ea typeface="+mn-ea"/>
+                <a:cs typeface="+mn-cs"/>
+              </a:defRPr>
+            </a:lvl3pPr>
+            <a:lvl4pPr marL="1371600" algn="l" defTabSz="914400" rtl="0" eaLnBrk="1" latinLnBrk="0" hangingPunct="1">
+              <a:defRPr sz="1800" kern="1200">
+                <a:solidFill>
+                  <a:schemeClr val="accent1"/>
+                </a:solidFill>
+                <a:latin typeface="+mn-lt"/>
+                <a:ea typeface="+mn-ea"/>
+                <a:cs typeface="+mn-cs"/>
+              </a:defRPr>
+            </a:lvl4pPr>
+            <a:lvl5pPr marL="1828800" algn="l" defTabSz="914400" rtl="0" eaLnBrk="1" latinLnBrk="0" hangingPunct="1">
+              <a:defRPr sz="1800" kern="1200">
+                <a:solidFill>
+                  <a:schemeClr val="accent1"/>
+                </a:solidFill>
+                <a:latin typeface="+mn-lt"/>
+                <a:ea typeface="+mn-ea"/>
+                <a:cs typeface="+mn-cs"/>
+              </a:defRPr>
+            </a:lvl5pPr>
+            <a:lvl6pPr marL="2286000" algn="l" defTabSz="914400" rtl="0" eaLnBrk="1" latinLnBrk="0" hangingPunct="1">
+              <a:defRPr sz="1800" kern="1200">
+                <a:solidFill>
+                  <a:schemeClr val="accent1"/>
+                </a:solidFill>
+                <a:latin typeface="+mn-lt"/>
+                <a:ea typeface="+mn-ea"/>
+                <a:cs typeface="+mn-cs"/>
+              </a:defRPr>
+            </a:lvl6pPr>
+            <a:lvl7pPr marL="2743200" algn="l" defTabSz="914400" rtl="0" eaLnBrk="1" latinLnBrk="0" hangingPunct="1">
+              <a:defRPr sz="1800" kern="1200">
+                <a:solidFill>
+                  <a:schemeClr val="accent1"/>
+                </a:solidFill>
+                <a:latin typeface="+mn-lt"/>
+                <a:ea typeface="+mn-ea"/>
+                <a:cs typeface="+mn-cs"/>
+              </a:defRPr>
+            </a:lvl7pPr>
+            <a:lvl8pPr marL="3200400" algn="l" defTabSz="914400" rtl="0" eaLnBrk="1" latinLnBrk="0" hangingPunct="1">
+              <a:defRPr sz="1800" kern="1200">
+                <a:solidFill>
+                  <a:schemeClr val="accent1"/>
+                </a:solidFill>
+                <a:latin typeface="+mn-lt"/>
+                <a:ea typeface="+mn-ea"/>
+                <a:cs typeface="+mn-cs"/>
+              </a:defRPr>
+            </a:lvl8pPr>
+            <a:lvl9pPr marL="3657600" algn="l" defTabSz="914400" rtl="0" eaLnBrk="1" latinLnBrk="0" hangingPunct="1">
+              <a:defRPr sz="1800" kern="1200">
+                <a:solidFill>
+                  <a:schemeClr val="accent1"/>
+                </a:solidFill>
+                <a:latin typeface="+mn-lt"/>
+                <a:ea typeface="+mn-ea"/>
+                <a:cs typeface="+mn-cs"/>
+              </a:defRPr>
+            </a:lvl9pPr>
+          </a:lstStyle>
+          <a:p>
+            <a:pPr algn="l" defTabSz="932472" fontAlgn="base">
+              <a:spcBef>
+                <a:spcPct val="0"/>
+              </a:spcBef>
+              <a:spcAft>
+                <a:spcPct val="0"/>
+              </a:spcAft>
+            </a:pPr>
+            <a:endParaRPr lang="en-US" sz="2000" dirty="0" err="1">
+              <a:solidFill>
+                <a:srgbClr val="FFFFFF"/>
+              </a:solidFill>
+              <a:ea typeface="Segoe UI" pitchFamily="34" charset="0"/>
+              <a:cs typeface="Segoe UI" pitchFamily="34" charset="0"/>
+            </a:endParaRPr>
+          </a:p>
+        </p:txBody>
+      </p:sp>
+      <p:sp>
+        <p:nvSpPr>
+          <p:cNvPr id="8" name="TextBox 10">
+            <a:extLst>
+              <a:ext uri="{FF2B5EF4-FFF2-40B4-BE49-F238E27FC236}">
+                <a16:creationId xmlns:a16="http://schemas.microsoft.com/office/drawing/2014/main" id="{BDFA5B89-ECF9-6F40-B90A-CAEB3980C3A9}"/>
+              </a:ext>
+            </a:extLst>
+          </p:cNvPr>
+          <p:cNvSpPr txBox="1"/>
+          <p:nvPr/>
+        </p:nvSpPr>
+        <p:spPr>
+          <a:xfrm>
+            <a:off x="6629400" y="3200400"/>
+            <a:ext cx="5211763" cy="4051300"/>
+          </a:xfrm>
+          <a:prstGeom prst="rect">
+            <a:avLst/>
+          </a:prstGeom>
+        </p:spPr>
+        <p:txBody>
+          <a:bodyPr vert="horz" wrap="square" lIns="0" tIns="0" rIns="0" bIns="0" rtlCol="0">
+            <a:normAutofit/>
+          </a:bodyPr>
+          <a:lstStyle>
+            <a:defPPr>
+              <a:defRPr lang="en-US"/>
+            </a:defPPr>
+            <a:lvl1pPr marL="0" algn="l" defTabSz="914400" rtl="0" eaLnBrk="1" latinLnBrk="0" hangingPunct="1">
+              <a:defRPr sz="1800" kern="1200">
+                <a:solidFill>
+                  <a:schemeClr val="tx1"/>
+                </a:solidFill>
+                <a:latin typeface="+mn-lt"/>
+                <a:ea typeface="+mn-ea"/>
+                <a:cs typeface="+mn-cs"/>
+              </a:defRPr>
+            </a:lvl1pPr>
+            <a:lvl2pPr marL="457200" algn="l" defTabSz="914400" rtl="0" eaLnBrk="1" latinLnBrk="0" hangingPunct="1">
+              <a:defRPr sz="1800" kern="1200">
+                <a:solidFill>
+                  <a:schemeClr val="tx1"/>
+                </a:solidFill>
+                <a:latin typeface="+mn-lt"/>
+                <a:ea typeface="+mn-ea"/>
+                <a:cs typeface="+mn-cs"/>
+              </a:defRPr>
+            </a:lvl2pPr>
+            <a:lvl3pPr marL="914400" algn="l" defTabSz="914400" rtl="0" eaLnBrk="1" latinLnBrk="0" hangingPunct="1">
+              <a:defRPr sz="1800" kern="1200">
+                <a:solidFill>
+                  <a:schemeClr val="tx1"/>
+                </a:solidFill>
+                <a:latin typeface="+mn-lt"/>
+                <a:ea typeface="+mn-ea"/>
+                <a:cs typeface="+mn-cs"/>
+              </a:defRPr>
+            </a:lvl3pPr>
+            <a:lvl4pPr marL="1371600" algn="l" defTabSz="914400" rtl="0" eaLnBrk="1" latinLnBrk="0" hangingPunct="1">
+              <a:defRPr sz="1800" kern="1200">
+                <a:solidFill>
+                  <a:schemeClr val="tx1"/>
+                </a:solidFill>
+                <a:latin typeface="+mn-lt"/>
+                <a:ea typeface="+mn-ea"/>
+                <a:cs typeface="+mn-cs"/>
+              </a:defRPr>
+            </a:lvl4pPr>
+            <a:lvl5pPr marL="1828800" algn="l" defTabSz="914400" rtl="0" eaLnBrk="1" latinLnBrk="0" hangingPunct="1">
+              <a:defRPr sz="1800" kern="1200">
+                <a:solidFill>
+                  <a:schemeClr val="tx1"/>
+                </a:solidFill>
+                <a:latin typeface="+mn-lt"/>
+                <a:ea typeface="+mn-ea"/>
+                <a:cs typeface="+mn-cs"/>
+              </a:defRPr>
+            </a:lvl5pPr>
+            <a:lvl6pPr marL="2286000" algn="l" defTabSz="914400" rtl="0" eaLnBrk="1" latinLnBrk="0" hangingPunct="1">
+              <a:defRPr sz="1800" kern="1200">
+                <a:solidFill>
+                  <a:schemeClr val="tx1"/>
+                </a:solidFill>
+                <a:latin typeface="+mn-lt"/>
+                <a:ea typeface="+mn-ea"/>
+                <a:cs typeface="+mn-cs"/>
+              </a:defRPr>
+            </a:lvl6pPr>
+            <a:lvl7pPr marL="2743200" algn="l" defTabSz="914400" rtl="0" eaLnBrk="1" latinLnBrk="0" hangingPunct="1">
+              <a:defRPr sz="1800" kern="1200">
+                <a:solidFill>
+                  <a:schemeClr val="tx1"/>
+                </a:solidFill>
+                <a:latin typeface="+mn-lt"/>
+                <a:ea typeface="+mn-ea"/>
+                <a:cs typeface="+mn-cs"/>
+              </a:defRPr>
+            </a:lvl7pPr>
+            <a:lvl8pPr marL="3200400" algn="l" defTabSz="914400" rtl="0" eaLnBrk="1" latinLnBrk="0" hangingPunct="1">
+              <a:defRPr sz="1800" kern="1200">
+                <a:solidFill>
+                  <a:schemeClr val="tx1"/>
+                </a:solidFill>
+                <a:latin typeface="+mn-lt"/>
+                <a:ea typeface="+mn-ea"/>
+                <a:cs typeface="+mn-cs"/>
+              </a:defRPr>
+            </a:lvl8pPr>
+            <a:lvl9pPr marL="3657600" algn="l" defTabSz="914400" rtl="0" eaLnBrk="1" latinLnBrk="0" hangingPunct="1">
+              <a:defRPr sz="1800" kern="1200">
+                <a:solidFill>
+                  <a:schemeClr val="tx1"/>
+                </a:solidFill>
+                <a:latin typeface="+mn-lt"/>
+                <a:ea typeface="+mn-ea"/>
+                <a:cs typeface="+mn-cs"/>
+              </a:defRPr>
+            </a:lvl9pPr>
+          </a:lstStyle>
+          <a:p>
+            <a:pPr defTabSz="932742">
+              <a:spcAft>
+                <a:spcPts val="600"/>
+              </a:spcAft>
+              <a:buSzPct val="90000"/>
+            </a:pPr>
+            <a:r>
+              <a:rPr lang="en-US" sz="2400" dirty="0"/>
+              <a:t>Please tell us how you liked this workshop by filling out this survey:</a:t>
+            </a:r>
+            <a:br>
+              <a:rPr lang="en-US" sz="2800" dirty="0"/>
+            </a:br>
+            <a:endParaRPr lang="en-US" sz="2800" dirty="0"/>
+          </a:p>
+          <a:p>
+            <a:pPr defTabSz="932742">
+              <a:spcAft>
+                <a:spcPts val="600"/>
+              </a:spcAft>
+              <a:buSzPct val="90000"/>
+            </a:pPr>
+            <a:r>
+              <a:rPr lang="en-US" sz="2800" dirty="0">
+                <a:hlinkClick r:id="rId10"/>
+              </a:rPr>
+              <a:t>https://aka.ms/workshopomatic-feedback</a:t>
+            </a:r>
+            <a:endParaRPr lang="en-US" sz="2800" dirty="0"/>
+          </a:p>
+          <a:p>
+            <a:pPr defTabSz="932742">
+              <a:spcAft>
+                <a:spcPts val="600"/>
+              </a:spcAft>
+              <a:buSzPct val="90000"/>
+            </a:pPr>
+            <a:endParaRPr lang="en-US" sz="2800" dirty="0"/>
+          </a:p>
+        </p:txBody>
+      </p:sp>
+      <p:sp>
+        <p:nvSpPr>
+          <p:cNvPr id="10" name="TextBox 8">
+            <a:extLst>
+              <a:ext uri="{FF2B5EF4-FFF2-40B4-BE49-F238E27FC236}">
+                <a16:creationId xmlns:a16="http://schemas.microsoft.com/office/drawing/2014/main" id="{494BE90A-CB46-9745-81D8-4DDAD5F43F96}"/>
+              </a:ext>
+            </a:extLst>
+          </p:cNvPr>
+          <p:cNvSpPr txBox="1"/>
+          <p:nvPr/>
+        </p:nvSpPr>
+        <p:spPr>
+          <a:xfrm>
+            <a:off x="1620971" y="954157"/>
+            <a:ext cx="65" cy="307777"/>
+          </a:xfrm>
+          <a:prstGeom prst="rect">
+            <a:avLst/>
+          </a:prstGeom>
+          <a:noFill/>
+        </p:spPr>
+        <p:txBody>
+          <a:bodyPr wrap="none" lIns="0" tIns="0" rIns="0" bIns="0" rtlCol="0">
+            <a:spAutoFit/>
+          </a:bodyPr>
+          <a:lstStyle>
+            <a:defPPr>
+              <a:defRPr lang="en-US"/>
+            </a:defPPr>
+            <a:lvl1pPr marL="0" algn="l" defTabSz="914400" rtl="0" eaLnBrk="1" latinLnBrk="0" hangingPunct="1">
+              <a:defRPr sz="1800" kern="1200">
+                <a:solidFill>
+                  <a:schemeClr val="tx1"/>
+                </a:solidFill>
+                <a:latin typeface="+mn-lt"/>
+                <a:ea typeface="+mn-ea"/>
+                <a:cs typeface="+mn-cs"/>
+              </a:defRPr>
+            </a:lvl1pPr>
+            <a:lvl2pPr marL="457200" algn="l" defTabSz="914400" rtl="0" eaLnBrk="1" latinLnBrk="0" hangingPunct="1">
+              <a:defRPr sz="1800" kern="1200">
+                <a:solidFill>
+                  <a:schemeClr val="tx1"/>
+                </a:solidFill>
+                <a:latin typeface="+mn-lt"/>
+                <a:ea typeface="+mn-ea"/>
+                <a:cs typeface="+mn-cs"/>
+              </a:defRPr>
+            </a:lvl2pPr>
+            <a:lvl3pPr marL="914400" algn="l" defTabSz="914400" rtl="0" eaLnBrk="1" latinLnBrk="0" hangingPunct="1">
+              <a:defRPr sz="1800" kern="1200">
+                <a:solidFill>
+                  <a:schemeClr val="tx1"/>
+                </a:solidFill>
+                <a:latin typeface="+mn-lt"/>
+                <a:ea typeface="+mn-ea"/>
+                <a:cs typeface="+mn-cs"/>
+              </a:defRPr>
+            </a:lvl3pPr>
+            <a:lvl4pPr marL="1371600" algn="l" defTabSz="914400" rtl="0" eaLnBrk="1" latinLnBrk="0" hangingPunct="1">
+              <a:defRPr sz="1800" kern="1200">
+                <a:solidFill>
+                  <a:schemeClr val="tx1"/>
+                </a:solidFill>
+                <a:latin typeface="+mn-lt"/>
+                <a:ea typeface="+mn-ea"/>
+                <a:cs typeface="+mn-cs"/>
+              </a:defRPr>
+            </a:lvl4pPr>
+            <a:lvl5pPr marL="1828800" algn="l" defTabSz="914400" rtl="0" eaLnBrk="1" latinLnBrk="0" hangingPunct="1">
+              <a:defRPr sz="1800" kern="1200">
+                <a:solidFill>
+                  <a:schemeClr val="tx1"/>
+                </a:solidFill>
+                <a:latin typeface="+mn-lt"/>
+                <a:ea typeface="+mn-ea"/>
+                <a:cs typeface="+mn-cs"/>
+              </a:defRPr>
+            </a:lvl5pPr>
+            <a:lvl6pPr marL="2286000" algn="l" defTabSz="914400" rtl="0" eaLnBrk="1" latinLnBrk="0" hangingPunct="1">
+              <a:defRPr sz="1800" kern="1200">
+                <a:solidFill>
+                  <a:schemeClr val="tx1"/>
+                </a:solidFill>
+                <a:latin typeface="+mn-lt"/>
+                <a:ea typeface="+mn-ea"/>
+                <a:cs typeface="+mn-cs"/>
+              </a:defRPr>
+            </a:lvl6pPr>
+            <a:lvl7pPr marL="2743200" algn="l" defTabSz="914400" rtl="0" eaLnBrk="1" latinLnBrk="0" hangingPunct="1">
+              <a:defRPr sz="1800" kern="1200">
+                <a:solidFill>
+                  <a:schemeClr val="tx1"/>
+                </a:solidFill>
+                <a:latin typeface="+mn-lt"/>
+                <a:ea typeface="+mn-ea"/>
+                <a:cs typeface="+mn-cs"/>
+              </a:defRPr>
+            </a:lvl7pPr>
+            <a:lvl8pPr marL="3200400" algn="l" defTabSz="914400" rtl="0" eaLnBrk="1" latinLnBrk="0" hangingPunct="1">
+              <a:defRPr sz="1800" kern="1200">
+                <a:solidFill>
+                  <a:schemeClr val="tx1"/>
+                </a:solidFill>
+                <a:latin typeface="+mn-lt"/>
+                <a:ea typeface="+mn-ea"/>
+                <a:cs typeface="+mn-cs"/>
+              </a:defRPr>
+            </a:lvl8pPr>
+            <a:lvl9pPr marL="3657600" algn="l" defTabSz="914400" rtl="0" eaLnBrk="1" latinLnBrk="0" hangingPunct="1">
+              <a:defRPr sz="1800" kern="1200">
+                <a:solidFill>
+                  <a:schemeClr val="tx1"/>
+                </a:solidFill>
+                <a:latin typeface="+mn-lt"/>
+                <a:ea typeface="+mn-ea"/>
+                <a:cs typeface="+mn-cs"/>
+              </a:defRPr>
+            </a:lvl9pPr>
+          </a:lstStyle>
+          <a:p>
+            <a:pPr algn="l"/>
+            <a:endParaRPr lang="en-US" sz="2000" dirty="0" err="1"/>
           </a:p>
         </p:txBody>
       </p:sp>
